--- a/ProP.pptx
+++ b/ProP.pptx
@@ -5313,15 +5313,11 @@
           <a:p>
             <a:r>
               <a:rPr lang="en-US" sz="1400" dirty="0"/>
-              <a:t>4 applications (ATM, buying food and </a:t>
-            </a:r>
-            <a:r>
-              <a:rPr lang="en-US" sz="1400" dirty="0" err="1"/>
-              <a:t>drinks,reservations</a:t>
+              <a:t>4 applications (ATM, buying food and drinks</a:t>
             </a:r>
             <a:r>
               <a:rPr lang="en-US" sz="1400"/>
-              <a:t>)</a:t>
+              <a:t>, reservations)</a:t>
             </a:r>
             <a:endParaRPr lang="en-US" sz="1400" dirty="0"/>
           </a:p>
